--- a/卒業論文/2014/小池/卒業論文中間審査ポスター.pptx
+++ b/卒業論文/2014/小池/卒業論文中間審査ポスター.pptx
@@ -297,7 +297,7 @@
           <a:p>
             <a:fld id="{FF7A58FD-EF7A-4BF1-AE4A-3BD5BDDA2978}" type="datetimeFigureOut">
               <a:rPr kumimoji="1" lang="ja-JP" altLang="en-US" smtClean="0"/>
-              <a:t>2015/10/6</a:t>
+              <a:t>2015/10/7</a:t>
             </a:fld>
             <a:endParaRPr kumimoji="1" lang="ja-JP" altLang="en-US"/>
           </a:p>
@@ -511,7 +511,7 @@
           <a:p>
             <a:fld id="{FF7A58FD-EF7A-4BF1-AE4A-3BD5BDDA2978}" type="datetimeFigureOut">
               <a:rPr kumimoji="1" lang="ja-JP" altLang="en-US" smtClean="0"/>
-              <a:t>2015/10/6</a:t>
+              <a:t>2015/10/7</a:t>
             </a:fld>
             <a:endParaRPr kumimoji="1" lang="ja-JP" altLang="en-US"/>
           </a:p>
@@ -735,7 +735,7 @@
           <a:p>
             <a:fld id="{FF7A58FD-EF7A-4BF1-AE4A-3BD5BDDA2978}" type="datetimeFigureOut">
               <a:rPr kumimoji="1" lang="ja-JP" altLang="en-US" smtClean="0"/>
-              <a:t>2015/10/6</a:t>
+              <a:t>2015/10/7</a:t>
             </a:fld>
             <a:endParaRPr kumimoji="1" lang="ja-JP" altLang="en-US"/>
           </a:p>
@@ -949,7 +949,7 @@
           <a:p>
             <a:fld id="{FF7A58FD-EF7A-4BF1-AE4A-3BD5BDDA2978}" type="datetimeFigureOut">
               <a:rPr kumimoji="1" lang="ja-JP" altLang="en-US" smtClean="0"/>
-              <a:t>2015/10/6</a:t>
+              <a:t>2015/10/7</a:t>
             </a:fld>
             <a:endParaRPr kumimoji="1" lang="ja-JP" altLang="en-US"/>
           </a:p>
@@ -1207,7 +1207,7 @@
           <a:p>
             <a:fld id="{FF7A58FD-EF7A-4BF1-AE4A-3BD5BDDA2978}" type="datetimeFigureOut">
               <a:rPr kumimoji="1" lang="ja-JP" altLang="en-US" smtClean="0"/>
-              <a:t>2015/10/6</a:t>
+              <a:t>2015/10/7</a:t>
             </a:fld>
             <a:endParaRPr kumimoji="1" lang="ja-JP" altLang="en-US"/>
           </a:p>
@@ -1571,7 +1571,7 @@
           <a:p>
             <a:fld id="{FF7A58FD-EF7A-4BF1-AE4A-3BD5BDDA2978}" type="datetimeFigureOut">
               <a:rPr kumimoji="1" lang="ja-JP" altLang="en-US" smtClean="0"/>
-              <a:t>2015/10/6</a:t>
+              <a:t>2015/10/7</a:t>
             </a:fld>
             <a:endParaRPr kumimoji="1" lang="ja-JP" altLang="en-US"/>
           </a:p>
@@ -2069,7 +2069,7 @@
           <a:p>
             <a:fld id="{FF7A58FD-EF7A-4BF1-AE4A-3BD5BDDA2978}" type="datetimeFigureOut">
               <a:rPr kumimoji="1" lang="ja-JP" altLang="en-US" smtClean="0"/>
-              <a:t>2015/10/6</a:t>
+              <a:t>2015/10/7</a:t>
             </a:fld>
             <a:endParaRPr kumimoji="1" lang="ja-JP" altLang="en-US"/>
           </a:p>
@@ -2199,7 +2199,7 @@
           <a:p>
             <a:fld id="{FF7A58FD-EF7A-4BF1-AE4A-3BD5BDDA2978}" type="datetimeFigureOut">
               <a:rPr kumimoji="1" lang="ja-JP" altLang="en-US" smtClean="0"/>
-              <a:t>2015/10/6</a:t>
+              <a:t>2015/10/7</a:t>
             </a:fld>
             <a:endParaRPr kumimoji="1" lang="ja-JP" altLang="en-US"/>
           </a:p>
@@ -2306,7 +2306,7 @@
           <a:p>
             <a:fld id="{FF7A58FD-EF7A-4BF1-AE4A-3BD5BDDA2978}" type="datetimeFigureOut">
               <a:rPr kumimoji="1" lang="ja-JP" altLang="en-US" smtClean="0"/>
-              <a:t>2015/10/6</a:t>
+              <a:t>2015/10/7</a:t>
             </a:fld>
             <a:endParaRPr kumimoji="1" lang="ja-JP" altLang="en-US"/>
           </a:p>
@@ -2627,7 +2627,7 @@
           <a:p>
             <a:fld id="{FF7A58FD-EF7A-4BF1-AE4A-3BD5BDDA2978}" type="datetimeFigureOut">
               <a:rPr kumimoji="1" lang="ja-JP" altLang="en-US" smtClean="0"/>
-              <a:t>2015/10/6</a:t>
+              <a:t>2015/10/7</a:t>
             </a:fld>
             <a:endParaRPr kumimoji="1" lang="ja-JP" altLang="en-US"/>
           </a:p>
@@ -2898,7 +2898,7 @@
           <a:p>
             <a:fld id="{FF7A58FD-EF7A-4BF1-AE4A-3BD5BDDA2978}" type="datetimeFigureOut">
               <a:rPr kumimoji="1" lang="ja-JP" altLang="en-US" smtClean="0"/>
-              <a:t>2015/10/6</a:t>
+              <a:t>2015/10/7</a:t>
             </a:fld>
             <a:endParaRPr kumimoji="1" lang="ja-JP" altLang="en-US"/>
           </a:p>
@@ -3203,7 +3203,7 @@
           <a:p>
             <a:fld id="{FF7A58FD-EF7A-4BF1-AE4A-3BD5BDDA2978}" type="datetimeFigureOut">
               <a:rPr kumimoji="1" lang="ja-JP" altLang="en-US" smtClean="0"/>
-              <a:t>2015/10/6</a:t>
+              <a:t>2015/10/7</a:t>
             </a:fld>
             <a:endParaRPr kumimoji="1" lang="ja-JP" altLang="en-US"/>
           </a:p>
@@ -3807,7 +3807,7 @@
                   <a:schemeClr val="tx1"/>
                 </a:solidFill>
               </a:rPr>
-              <a:t>・</a:t>
+              <a:t>農業情報は，研究や小売などにより</a:t>
             </a:r>
             <a:r>
               <a:rPr lang="ja-JP" altLang="en-US" sz="4400" dirty="0">
@@ -3815,7 +3815,23 @@
                   <a:schemeClr val="tx1"/>
                 </a:solidFill>
               </a:rPr>
-              <a:t>農業情報の用途により視点，用語が異なる語彙を目的に応じた最適な語彙への翻訳ができるような仕組みを作ることが目的である．</a:t>
+              <a:t>視点，用語が</a:t>
+            </a:r>
+            <a:r>
+              <a:rPr lang="ja-JP" altLang="en-US" sz="4400" dirty="0" smtClean="0">
+                <a:solidFill>
+                  <a:schemeClr val="tx1"/>
+                </a:solidFill>
+              </a:rPr>
+              <a:t>異なるため，語彙</a:t>
+            </a:r>
+            <a:r>
+              <a:rPr lang="ja-JP" altLang="en-US" sz="4400" dirty="0">
+                <a:solidFill>
+                  <a:schemeClr val="tx1"/>
+                </a:solidFill>
+              </a:rPr>
+              <a:t>を目的に応じた最適な語彙への翻訳ができるような仕組みを作ることが目的である．</a:t>
             </a:r>
             <a:r>
               <a:rPr lang="ja-JP" altLang="en-US" sz="5400" dirty="0" smtClean="0">
@@ -3881,7 +3897,7 @@
           <a:lstStyle/>
           <a:p>
             <a:pPr algn="ctr"/>
-            <a:endParaRPr kumimoji="1" lang="ja-JP" altLang="en-US"/>
+            <a:endParaRPr kumimoji="1" lang="ja-JP" altLang="en-US" dirty="0"/>
           </a:p>
         </p:txBody>
       </p:sp>
@@ -3993,30 +4009,6 @@
           </a:p>
         </p:txBody>
       </p:sp>
-      <p:pic>
-        <p:nvPicPr>
-          <p:cNvPr id="6" name="図 5"/>
-          <p:cNvPicPr>
-            <a:picLocks noChangeAspect="1"/>
-          </p:cNvPicPr>
-          <p:nvPr/>
-        </p:nvPicPr>
-        <p:blipFill>
-          <a:blip r:embed="rId2"/>
-          <a:stretch>
-            <a:fillRect/>
-          </a:stretch>
-        </p:blipFill>
-        <p:spPr>
-          <a:xfrm>
-            <a:off x="13060699" y="6060327"/>
-            <a:ext cx="5384152" cy="6240050"/>
-          </a:xfrm>
-          <a:prstGeom prst="rect">
-            <a:avLst/>
-          </a:prstGeom>
-        </p:spPr>
-      </p:pic>
       <p:sp>
         <p:nvSpPr>
           <p:cNvPr id="8" name="正方形/長方形 7"/>
@@ -4025,8 +4017,8 @@
         </p:nvSpPr>
         <p:spPr>
           <a:xfrm>
-            <a:off x="856925" y="4875438"/>
-            <a:ext cx="11144863" cy="7551383"/>
+            <a:off x="856925" y="5061929"/>
+            <a:ext cx="6283055" cy="7966740"/>
           </a:xfrm>
           <a:prstGeom prst="rect">
             <a:avLst/>
@@ -4080,7 +4072,102 @@
                   <a:schemeClr val="tx1"/>
                 </a:solidFill>
               </a:rPr>
-              <a:t>ねっ娘，あきひめ，</a:t>
+              <a:t>ねっ娘，あきひめ</a:t>
+            </a:r>
+            <a:r>
+              <a:rPr lang="ja-JP" altLang="en-US" dirty="0">
+                <a:solidFill>
+                  <a:schemeClr val="tx1"/>
+                </a:solidFill>
+              </a:rPr>
+              <a:t>，あまおう</a:t>
+            </a:r>
+            <a:r>
+              <a:rPr lang="ja-JP" altLang="en-US" dirty="0" smtClean="0">
+                <a:solidFill>
+                  <a:schemeClr val="tx1"/>
+                </a:solidFill>
+              </a:rPr>
+              <a:t>，</a:t>
+            </a:r>
+            <a:endParaRPr lang="en-US" altLang="ja-JP" dirty="0" smtClean="0">
+              <a:solidFill>
+                <a:schemeClr val="tx1"/>
+              </a:solidFill>
+            </a:endParaRPr>
+          </a:p>
+          <a:p>
+            <a:r>
+              <a:rPr lang="ja-JP" altLang="en-US" dirty="0" smtClean="0">
+                <a:solidFill>
+                  <a:schemeClr val="tx1"/>
+                </a:solidFill>
+              </a:rPr>
+              <a:t>あす</a:t>
+            </a:r>
+            <a:r>
+              <a:rPr kumimoji="1" lang="ja-JP" altLang="en-US" dirty="0" smtClean="0">
+                <a:solidFill>
+                  <a:schemeClr val="tx1"/>
+                </a:solidFill>
+              </a:rPr>
+              <a:t>かルビー，あまおとめ，あわゆき，えちごひめ，エラン，おおきみ，おい</a:t>
+            </a:r>
+            <a:r>
+              <a:rPr kumimoji="1" lang="en-US" altLang="ja-JP" dirty="0" smtClean="0">
+                <a:solidFill>
+                  <a:schemeClr val="tx1"/>
+                </a:solidFill>
+              </a:rPr>
+              <a:t>C</a:t>
+            </a:r>
+            <a:r>
+              <a:rPr kumimoji="1" lang="ja-JP" altLang="en-US" dirty="0" err="1" smtClean="0">
+                <a:solidFill>
+                  <a:schemeClr val="tx1"/>
+                </a:solidFill>
+              </a:rPr>
+              <a:t>べり</a:t>
+            </a:r>
+            <a:r>
+              <a:rPr kumimoji="1" lang="ja-JP" altLang="en-US" dirty="0" smtClean="0">
+                <a:solidFill>
+                  <a:schemeClr val="tx1"/>
+                </a:solidFill>
+              </a:rPr>
+              <a:t>ーおとめ</a:t>
+            </a:r>
+            <a:r>
+              <a:rPr kumimoji="1" lang="ja-JP" altLang="en-US" dirty="0" err="1" smtClean="0">
+                <a:solidFill>
+                  <a:schemeClr val="tx1"/>
+                </a:solidFill>
+              </a:rPr>
+              <a:t>ごころ</a:t>
+            </a:r>
+            <a:r>
+              <a:rPr kumimoji="1" lang="ja-JP" altLang="en-US" dirty="0" smtClean="0">
+                <a:solidFill>
+                  <a:schemeClr val="tx1"/>
+                </a:solidFill>
+              </a:rPr>
+              <a:t>，かおりの</a:t>
+            </a:r>
+            <a:r>
+              <a:rPr kumimoji="1" lang="en-US" altLang="ja-JP" dirty="0" smtClean="0">
+                <a:solidFill>
+                  <a:schemeClr val="tx1"/>
+                </a:solidFill>
+              </a:rPr>
+              <a:t>‥</a:t>
+            </a:r>
+            <a:r>
+              <a:rPr kumimoji="1" lang="en-US" altLang="ja-JP" dirty="0" err="1" smtClean="0">
+                <a:solidFill>
+                  <a:schemeClr val="tx1"/>
+                </a:solidFill>
+              </a:rPr>
+              <a:t>etc</a:t>
             </a:r>
             <a:endParaRPr kumimoji="1" lang="en-US" altLang="ja-JP" dirty="0" smtClean="0">
               <a:solidFill>
@@ -4090,145 +4177,24 @@
           </a:p>
           <a:p>
             <a:r>
-              <a:rPr kumimoji="1" lang="ja-JP" altLang="en-US" dirty="0" smtClean="0">
-                <a:solidFill>
-                  <a:schemeClr val="tx1"/>
-                </a:solidFill>
-              </a:rPr>
-              <a:t>あすかルビー，あまおう，あまおとめ，</a:t>
-            </a:r>
-            <a:endParaRPr kumimoji="1" lang="en-US" altLang="ja-JP" dirty="0" smtClean="0">
+              <a:rPr lang="ja-JP" altLang="en-US" sz="6000" dirty="0" smtClean="0">
+                <a:solidFill>
+                  <a:schemeClr val="tx1"/>
+                </a:solidFill>
+              </a:rPr>
+              <a:t>→</a:t>
+            </a:r>
+            <a:r>
+              <a:rPr lang="ja-JP" altLang="en-US" sz="6000" dirty="0" smtClean="0">
+                <a:solidFill>
+                  <a:srgbClr val="FF0000"/>
+                </a:solidFill>
+              </a:rPr>
+              <a:t>種類が多い！</a:t>
+            </a:r>
+            <a:endParaRPr kumimoji="1" lang="ja-JP" altLang="en-US" sz="6000" dirty="0">
               <a:solidFill>
-                <a:schemeClr val="tx1"/>
-              </a:solidFill>
-            </a:endParaRPr>
-          </a:p>
-          <a:p>
-            <a:r>
-              <a:rPr kumimoji="1" lang="ja-JP" altLang="en-US" dirty="0" smtClean="0">
-                <a:solidFill>
-                  <a:schemeClr val="tx1"/>
-                </a:solidFill>
-              </a:rPr>
-              <a:t>あわゆき，えちごひめ，エラン，おおきみ，おい</a:t>
-            </a:r>
-            <a:r>
-              <a:rPr kumimoji="1" lang="en-US" altLang="ja-JP" dirty="0" smtClean="0">
-                <a:solidFill>
-                  <a:schemeClr val="tx1"/>
-                </a:solidFill>
-              </a:rPr>
-              <a:t>C</a:t>
-            </a:r>
-            <a:r>
-              <a:rPr kumimoji="1" lang="ja-JP" altLang="en-US" dirty="0" err="1" smtClean="0">
-                <a:solidFill>
-                  <a:schemeClr val="tx1"/>
-                </a:solidFill>
-              </a:rPr>
-              <a:t>べり</a:t>
-            </a:r>
-            <a:r>
-              <a:rPr kumimoji="1" lang="ja-JP" altLang="en-US" dirty="0" smtClean="0">
-                <a:solidFill>
-                  <a:schemeClr val="tx1"/>
-                </a:solidFill>
-              </a:rPr>
-              <a:t>ーおとめ</a:t>
-            </a:r>
-            <a:r>
-              <a:rPr kumimoji="1" lang="ja-JP" altLang="en-US" dirty="0" err="1" smtClean="0">
-                <a:solidFill>
-                  <a:schemeClr val="tx1"/>
-                </a:solidFill>
-              </a:rPr>
-              <a:t>ごころ</a:t>
-            </a:r>
-            <a:r>
-              <a:rPr kumimoji="1" lang="ja-JP" altLang="en-US" dirty="0" smtClean="0">
-                <a:solidFill>
-                  <a:schemeClr val="tx1"/>
-                </a:solidFill>
-              </a:rPr>
-              <a:t>，かおりの</a:t>
-            </a:r>
-            <a:r>
-              <a:rPr kumimoji="1" lang="en-US" altLang="ja-JP" dirty="0" smtClean="0">
-                <a:solidFill>
-                  <a:schemeClr val="tx1"/>
-                </a:solidFill>
-              </a:rPr>
-              <a:t>‥</a:t>
-            </a:r>
-            <a:r>
-              <a:rPr kumimoji="1" lang="en-US" altLang="ja-JP" dirty="0" err="1" smtClean="0">
-                <a:solidFill>
-                  <a:schemeClr val="tx1"/>
-                </a:solidFill>
-              </a:rPr>
-              <a:t>etc</a:t>
-            </a:r>
-            <a:endParaRPr kumimoji="1" lang="ja-JP" altLang="en-US" dirty="0">
-              <a:solidFill>
-                <a:schemeClr val="tx1"/>
-              </a:solidFill>
-            </a:endParaRPr>
-          </a:p>
-        </p:txBody>
-      </p:sp>
-      <p:sp>
-        <p:nvSpPr>
-          <p:cNvPr id="11" name="爆発 2 10"/>
-          <p:cNvSpPr/>
-          <p:nvPr/>
-        </p:nvSpPr>
-        <p:spPr>
-          <a:xfrm>
-            <a:off x="12519552" y="4026064"/>
-            <a:ext cx="5925299" cy="2186738"/>
-          </a:xfrm>
-          <a:prstGeom prst="irregularSeal2">
-            <a:avLst/>
-          </a:prstGeom>
-          <a:solidFill>
-            <a:srgbClr val="FF0000"/>
-          </a:solidFill>
-          <a:ln>
-            <a:solidFill>
-              <a:schemeClr val="tx1"/>
-            </a:solidFill>
-          </a:ln>
-        </p:spPr>
-        <p:style>
-          <a:lnRef idx="1">
-            <a:schemeClr val="accent1"/>
-          </a:lnRef>
-          <a:fillRef idx="3">
-            <a:schemeClr val="accent1"/>
-          </a:fillRef>
-          <a:effectRef idx="2">
-            <a:schemeClr val="accent1"/>
-          </a:effectRef>
-          <a:fontRef idx="minor">
-            <a:schemeClr val="lt1"/>
-          </a:fontRef>
-        </p:style>
-        <p:txBody>
-          <a:bodyPr rtlCol="0" anchor="ctr"/>
-          <a:lstStyle/>
-          <a:p>
-            <a:pPr algn="ctr"/>
-            <a:r>
-              <a:rPr lang="ja-JP" altLang="en-US" sz="3600" dirty="0" smtClean="0">
-                <a:solidFill>
-                  <a:schemeClr val="bg1"/>
-                </a:solidFill>
-              </a:rPr>
-              <a:t>ありすぎる</a:t>
-            </a:r>
-            <a:endParaRPr lang="en-US" altLang="ja-JP" sz="3600" dirty="0">
-              <a:solidFill>
-                <a:schemeClr val="bg1"/>
+                <a:srgbClr val="FF0000"/>
               </a:solidFill>
             </a:endParaRPr>
           </a:p>
@@ -4513,7 +4479,30 @@
               </a:rPr>
               <a:t>．</a:t>
             </a:r>
-            <a:endParaRPr kumimoji="1" lang="ja-JP" altLang="en-US" sz="4400" dirty="0">
+            <a:endParaRPr lang="en-US" altLang="ja-JP" sz="4400" dirty="0" smtClean="0">
+              <a:solidFill>
+                <a:schemeClr val="tx1"/>
+              </a:solidFill>
+            </a:endParaRPr>
+          </a:p>
+          <a:p>
+            <a:r>
+              <a:rPr lang="ja-JP" altLang="en-US" sz="4400" dirty="0">
+                <a:solidFill>
+                  <a:schemeClr val="tx1"/>
+                </a:solidFill>
+              </a:rPr>
+              <a:t>④抽出した情報を使って，用語の翻訳を試みる</a:t>
+            </a:r>
+            <a:r>
+              <a:rPr lang="ja-JP" altLang="en-US" sz="4400" dirty="0" smtClean="0">
+                <a:solidFill>
+                  <a:schemeClr val="tx1"/>
+                </a:solidFill>
+              </a:rPr>
+              <a:t>．</a:t>
+            </a:r>
+            <a:endParaRPr lang="ja-JP" altLang="en-US" sz="4400" dirty="0">
               <a:solidFill>
                 <a:schemeClr val="tx1"/>
               </a:solidFill>
@@ -4925,7 +4914,7 @@
         </p:nvSpPr>
         <p:spPr>
           <a:xfrm>
-            <a:off x="268338" y="4525182"/>
+            <a:off x="231387" y="4306367"/>
             <a:ext cx="5369071" cy="1322478"/>
           </a:xfrm>
           <a:prstGeom prst="rect">
@@ -4969,6 +4958,200 @@
                 </a:solidFill>
               </a:rPr>
               <a:t>‥</a:t>
+            </a:r>
+            <a:endParaRPr kumimoji="1" lang="ja-JP" altLang="en-US" dirty="0">
+              <a:solidFill>
+                <a:schemeClr val="tx1"/>
+              </a:solidFill>
+            </a:endParaRPr>
+          </a:p>
+        </p:txBody>
+      </p:sp>
+      <p:sp>
+        <p:nvSpPr>
+          <p:cNvPr id="4" name="右矢印 3"/>
+          <p:cNvSpPr/>
+          <p:nvPr/>
+        </p:nvSpPr>
+        <p:spPr>
+          <a:xfrm>
+            <a:off x="7519885" y="8140032"/>
+            <a:ext cx="3099732" cy="2304377"/>
+          </a:xfrm>
+          <a:prstGeom prst="rightArrow">
+            <a:avLst/>
+          </a:prstGeom>
+        </p:spPr>
+        <p:style>
+          <a:lnRef idx="1">
+            <a:schemeClr val="accent1"/>
+          </a:lnRef>
+          <a:fillRef idx="3">
+            <a:schemeClr val="accent1"/>
+          </a:fillRef>
+          <a:effectRef idx="2">
+            <a:schemeClr val="accent1"/>
+          </a:effectRef>
+          <a:fontRef idx="minor">
+            <a:schemeClr val="lt1"/>
+          </a:fontRef>
+        </p:style>
+        <p:txBody>
+          <a:bodyPr rtlCol="0" anchor="ctr"/>
+          <a:lstStyle/>
+          <a:p>
+            <a:pPr algn="ctr"/>
+            <a:r>
+              <a:rPr kumimoji="1" lang="ja-JP" altLang="en-US" dirty="0" smtClean="0"/>
+              <a:t>なので</a:t>
+            </a:r>
+            <a:endParaRPr kumimoji="1" lang="ja-JP" altLang="en-US" dirty="0"/>
+          </a:p>
+        </p:txBody>
+      </p:sp>
+      <p:sp>
+        <p:nvSpPr>
+          <p:cNvPr id="19" name="正方形/長方形 18"/>
+          <p:cNvSpPr/>
+          <p:nvPr/>
+        </p:nvSpPr>
+        <p:spPr>
+          <a:xfrm>
+            <a:off x="10659018" y="5158333"/>
+            <a:ext cx="10206842" cy="7870336"/>
+          </a:xfrm>
+          <a:prstGeom prst="rect">
+            <a:avLst/>
+          </a:prstGeom>
+          <a:solidFill>
+            <a:schemeClr val="bg1"/>
+          </a:solidFill>
+          <a:ln>
+            <a:solidFill>
+              <a:srgbClr val="0070C0"/>
+            </a:solidFill>
+          </a:ln>
+        </p:spPr>
+        <p:style>
+          <a:lnRef idx="0">
+            <a:schemeClr val="accent6"/>
+          </a:lnRef>
+          <a:fillRef idx="3">
+            <a:schemeClr val="accent6"/>
+          </a:fillRef>
+          <a:effectRef idx="3">
+            <a:schemeClr val="accent6"/>
+          </a:effectRef>
+          <a:fontRef idx="minor">
+            <a:schemeClr val="lt1"/>
+          </a:fontRef>
+        </p:style>
+        <p:txBody>
+          <a:bodyPr rtlCol="0" anchor="ctr"/>
+          <a:lstStyle/>
+          <a:p>
+            <a:r>
+              <a:rPr lang="en-US" altLang="ja-JP" dirty="0">
+                <a:solidFill>
+                  <a:schemeClr val="tx1"/>
+                </a:solidFill>
+              </a:rPr>
+              <a:t>Wiki</a:t>
+            </a:r>
+            <a:r>
+              <a:rPr lang="ja-JP" altLang="en-US" dirty="0">
+                <a:solidFill>
+                  <a:schemeClr val="tx1"/>
+                </a:solidFill>
+              </a:rPr>
+              <a:t>のシステムをベースとして開発されたコラボレーションツールの一種．</a:t>
+            </a:r>
+          </a:p>
+          <a:p>
+            <a:r>
+              <a:rPr lang="ja-JP" altLang="en-US" dirty="0">
+                <a:solidFill>
+                  <a:schemeClr val="tx1"/>
+                </a:solidFill>
+              </a:rPr>
+              <a:t>つまり自分だけの</a:t>
+            </a:r>
+            <a:r>
+              <a:rPr lang="en-US" altLang="ja-JP" dirty="0">
+                <a:solidFill>
+                  <a:schemeClr val="tx1"/>
+                </a:solidFill>
+              </a:rPr>
+              <a:t>Wiki</a:t>
+            </a:r>
+            <a:r>
+              <a:rPr lang="ja-JP" altLang="en-US" dirty="0">
+                <a:solidFill>
+                  <a:schemeClr val="tx1"/>
+                </a:solidFill>
+              </a:rPr>
+              <a:t>が作れる！</a:t>
+            </a:r>
+            <a:endParaRPr kumimoji="1" lang="ja-JP" altLang="en-US" dirty="0">
+              <a:solidFill>
+                <a:schemeClr val="tx1"/>
+              </a:solidFill>
+            </a:endParaRPr>
+          </a:p>
+        </p:txBody>
+      </p:sp>
+      <p:sp>
+        <p:nvSpPr>
+          <p:cNvPr id="20" name="正方形/長方形 19"/>
+          <p:cNvSpPr/>
+          <p:nvPr/>
+        </p:nvSpPr>
+        <p:spPr>
+          <a:xfrm>
+            <a:off x="10221301" y="4141008"/>
+            <a:ext cx="5369071" cy="1322478"/>
+          </a:xfrm>
+          <a:prstGeom prst="rect">
+            <a:avLst/>
+          </a:prstGeom>
+          <a:solidFill>
+            <a:schemeClr val="bg1"/>
+          </a:solidFill>
+        </p:spPr>
+        <p:style>
+          <a:lnRef idx="1">
+            <a:schemeClr val="accent1"/>
+          </a:lnRef>
+          <a:fillRef idx="3">
+            <a:schemeClr val="accent1"/>
+          </a:fillRef>
+          <a:effectRef idx="2">
+            <a:schemeClr val="accent1"/>
+          </a:effectRef>
+          <a:fontRef idx="minor">
+            <a:schemeClr val="lt1"/>
+          </a:fontRef>
+        </p:style>
+        <p:txBody>
+          <a:bodyPr rtlCol="0" anchor="ctr"/>
+          <a:lstStyle/>
+          <a:p>
+            <a:pPr algn="ctr"/>
+            <a:r>
+              <a:rPr lang="en-US" altLang="ja-JP" dirty="0" err="1" smtClean="0">
+                <a:solidFill>
+                  <a:schemeClr val="tx1"/>
+                </a:solidFill>
+              </a:rPr>
+              <a:t>Mediawiki</a:t>
+            </a:r>
+            <a:r>
+              <a:rPr lang="ja-JP" altLang="en-US" dirty="0" smtClean="0">
+                <a:solidFill>
+                  <a:schemeClr val="tx1"/>
+                </a:solidFill>
+              </a:rPr>
+              <a:t>とは</a:t>
             </a:r>
             <a:endParaRPr kumimoji="1" lang="ja-JP" altLang="en-US" dirty="0">
               <a:solidFill>

--- a/卒業論文/2014/小池/卒業論文中間審査ポスター.pptx
+++ b/卒業論文/2014/小池/卒業論文中間審査ポスター.pptx
@@ -297,7 +297,7 @@
           <a:p>
             <a:fld id="{FF7A58FD-EF7A-4BF1-AE4A-3BD5BDDA2978}" type="datetimeFigureOut">
               <a:rPr kumimoji="1" lang="ja-JP" altLang="en-US" smtClean="0"/>
-              <a:t>2015/10/7</a:t>
+              <a:t>2015/10/8</a:t>
             </a:fld>
             <a:endParaRPr kumimoji="1" lang="ja-JP" altLang="en-US"/>
           </a:p>
@@ -511,7 +511,7 @@
           <a:p>
             <a:fld id="{FF7A58FD-EF7A-4BF1-AE4A-3BD5BDDA2978}" type="datetimeFigureOut">
               <a:rPr kumimoji="1" lang="ja-JP" altLang="en-US" smtClean="0"/>
-              <a:t>2015/10/7</a:t>
+              <a:t>2015/10/8</a:t>
             </a:fld>
             <a:endParaRPr kumimoji="1" lang="ja-JP" altLang="en-US"/>
           </a:p>
@@ -735,7 +735,7 @@
           <a:p>
             <a:fld id="{FF7A58FD-EF7A-4BF1-AE4A-3BD5BDDA2978}" type="datetimeFigureOut">
               <a:rPr kumimoji="1" lang="ja-JP" altLang="en-US" smtClean="0"/>
-              <a:t>2015/10/7</a:t>
+              <a:t>2015/10/8</a:t>
             </a:fld>
             <a:endParaRPr kumimoji="1" lang="ja-JP" altLang="en-US"/>
           </a:p>
@@ -949,7 +949,7 @@
           <a:p>
             <a:fld id="{FF7A58FD-EF7A-4BF1-AE4A-3BD5BDDA2978}" type="datetimeFigureOut">
               <a:rPr kumimoji="1" lang="ja-JP" altLang="en-US" smtClean="0"/>
-              <a:t>2015/10/7</a:t>
+              <a:t>2015/10/8</a:t>
             </a:fld>
             <a:endParaRPr kumimoji="1" lang="ja-JP" altLang="en-US"/>
           </a:p>
@@ -1207,7 +1207,7 @@
           <a:p>
             <a:fld id="{FF7A58FD-EF7A-4BF1-AE4A-3BD5BDDA2978}" type="datetimeFigureOut">
               <a:rPr kumimoji="1" lang="ja-JP" altLang="en-US" smtClean="0"/>
-              <a:t>2015/10/7</a:t>
+              <a:t>2015/10/8</a:t>
             </a:fld>
             <a:endParaRPr kumimoji="1" lang="ja-JP" altLang="en-US"/>
           </a:p>
@@ -1571,7 +1571,7 @@
           <a:p>
             <a:fld id="{FF7A58FD-EF7A-4BF1-AE4A-3BD5BDDA2978}" type="datetimeFigureOut">
               <a:rPr kumimoji="1" lang="ja-JP" altLang="en-US" smtClean="0"/>
-              <a:t>2015/10/7</a:t>
+              <a:t>2015/10/8</a:t>
             </a:fld>
             <a:endParaRPr kumimoji="1" lang="ja-JP" altLang="en-US"/>
           </a:p>
@@ -2069,7 +2069,7 @@
           <a:p>
             <a:fld id="{FF7A58FD-EF7A-4BF1-AE4A-3BD5BDDA2978}" type="datetimeFigureOut">
               <a:rPr kumimoji="1" lang="ja-JP" altLang="en-US" smtClean="0"/>
-              <a:t>2015/10/7</a:t>
+              <a:t>2015/10/8</a:t>
             </a:fld>
             <a:endParaRPr kumimoji="1" lang="ja-JP" altLang="en-US"/>
           </a:p>
@@ -2199,7 +2199,7 @@
           <a:p>
             <a:fld id="{FF7A58FD-EF7A-4BF1-AE4A-3BD5BDDA2978}" type="datetimeFigureOut">
               <a:rPr kumimoji="1" lang="ja-JP" altLang="en-US" smtClean="0"/>
-              <a:t>2015/10/7</a:t>
+              <a:t>2015/10/8</a:t>
             </a:fld>
             <a:endParaRPr kumimoji="1" lang="ja-JP" altLang="en-US"/>
           </a:p>
@@ -2306,7 +2306,7 @@
           <a:p>
             <a:fld id="{FF7A58FD-EF7A-4BF1-AE4A-3BD5BDDA2978}" type="datetimeFigureOut">
               <a:rPr kumimoji="1" lang="ja-JP" altLang="en-US" smtClean="0"/>
-              <a:t>2015/10/7</a:t>
+              <a:t>2015/10/8</a:t>
             </a:fld>
             <a:endParaRPr kumimoji="1" lang="ja-JP" altLang="en-US"/>
           </a:p>
@@ -2627,7 +2627,7 @@
           <a:p>
             <a:fld id="{FF7A58FD-EF7A-4BF1-AE4A-3BD5BDDA2978}" type="datetimeFigureOut">
               <a:rPr kumimoji="1" lang="ja-JP" altLang="en-US" smtClean="0"/>
-              <a:t>2015/10/7</a:t>
+              <a:t>2015/10/8</a:t>
             </a:fld>
             <a:endParaRPr kumimoji="1" lang="ja-JP" altLang="en-US"/>
           </a:p>
@@ -2898,7 +2898,7 @@
           <a:p>
             <a:fld id="{FF7A58FD-EF7A-4BF1-AE4A-3BD5BDDA2978}" type="datetimeFigureOut">
               <a:rPr kumimoji="1" lang="ja-JP" altLang="en-US" smtClean="0"/>
-              <a:t>2015/10/7</a:t>
+              <a:t>2015/10/8</a:t>
             </a:fld>
             <a:endParaRPr kumimoji="1" lang="ja-JP" altLang="en-US"/>
           </a:p>
@@ -3203,7 +3203,7 @@
           <a:p>
             <a:fld id="{FF7A58FD-EF7A-4BF1-AE4A-3BD5BDDA2978}" type="datetimeFigureOut">
               <a:rPr kumimoji="1" lang="ja-JP" altLang="en-US" smtClean="0"/>
-              <a:t>2015/10/7</a:t>
+              <a:t>2015/10/8</a:t>
             </a:fld>
             <a:endParaRPr kumimoji="1" lang="ja-JP" altLang="en-US"/>
           </a:p>
@@ -4969,48 +4969,6 @@
       </p:sp>
       <p:sp>
         <p:nvSpPr>
-          <p:cNvPr id="4" name="右矢印 3"/>
-          <p:cNvSpPr/>
-          <p:nvPr/>
-        </p:nvSpPr>
-        <p:spPr>
-          <a:xfrm>
-            <a:off x="7519885" y="8140032"/>
-            <a:ext cx="3099732" cy="2304377"/>
-          </a:xfrm>
-          <a:prstGeom prst="rightArrow">
-            <a:avLst/>
-          </a:prstGeom>
-        </p:spPr>
-        <p:style>
-          <a:lnRef idx="1">
-            <a:schemeClr val="accent1"/>
-          </a:lnRef>
-          <a:fillRef idx="3">
-            <a:schemeClr val="accent1"/>
-          </a:fillRef>
-          <a:effectRef idx="2">
-            <a:schemeClr val="accent1"/>
-          </a:effectRef>
-          <a:fontRef idx="minor">
-            <a:schemeClr val="lt1"/>
-          </a:fontRef>
-        </p:style>
-        <p:txBody>
-          <a:bodyPr rtlCol="0" anchor="ctr"/>
-          <a:lstStyle/>
-          <a:p>
-            <a:pPr algn="ctr"/>
-            <a:r>
-              <a:rPr kumimoji="1" lang="ja-JP" altLang="en-US" dirty="0" smtClean="0"/>
-              <a:t>なので</a:t>
-            </a:r>
-            <a:endParaRPr kumimoji="1" lang="ja-JP" altLang="en-US" dirty="0"/>
-          </a:p>
-        </p:txBody>
-      </p:sp>
-      <p:sp>
-        <p:nvSpPr>
           <p:cNvPr id="19" name="正方形/長方形 18"/>
           <p:cNvSpPr/>
           <p:nvPr/>
@@ -5051,12 +5009,60 @@
           <a:lstStyle/>
           <a:p>
             <a:r>
+              <a:rPr lang="ja-JP" altLang="en-US" dirty="0">
+                <a:solidFill>
+                  <a:schemeClr val="tx1"/>
+                </a:solidFill>
+              </a:rPr>
+              <a:t>アイベリー，</a:t>
+            </a:r>
+            <a:r>
+              <a:rPr lang="ja-JP" altLang="en-US" dirty="0" err="1">
+                <a:solidFill>
+                  <a:schemeClr val="tx1"/>
+                </a:solidFill>
+              </a:rPr>
+              <a:t>あか</a:t>
+            </a:r>
+            <a:r>
+              <a:rPr lang="ja-JP" altLang="en-US" dirty="0">
+                <a:solidFill>
+                  <a:schemeClr val="tx1"/>
+                </a:solidFill>
+              </a:rPr>
+              <a:t>ねっ娘，あきひめ，あまおう</a:t>
+            </a:r>
+            <a:r>
+              <a:rPr lang="ja-JP" altLang="en-US" dirty="0" smtClean="0">
+                <a:solidFill>
+                  <a:schemeClr val="tx1"/>
+                </a:solidFill>
+              </a:rPr>
+              <a:t>，あす</a:t>
+            </a:r>
+            <a:r>
+              <a:rPr lang="ja-JP" altLang="en-US" dirty="0">
+                <a:solidFill>
+                  <a:schemeClr val="tx1"/>
+                </a:solidFill>
+              </a:rPr>
+              <a:t>かルビー，あまおとめ，あわゆき，えちごひめ，エラン，おおきみ，おい</a:t>
+            </a:r>
+            <a:r>
               <a:rPr lang="en-US" altLang="ja-JP" dirty="0">
                 <a:solidFill>
                   <a:schemeClr val="tx1"/>
                 </a:solidFill>
               </a:rPr>
-              <a:t>Wiki</a:t>
+              <a:t>C</a:t>
+            </a:r>
+            <a:r>
+              <a:rPr lang="ja-JP" altLang="en-US" dirty="0" err="1">
+                <a:solidFill>
+                  <a:schemeClr val="tx1"/>
+                </a:solidFill>
+              </a:rPr>
+              <a:t>べり</a:t>
             </a:r>
             <a:r>
               <a:rPr lang="ja-JP" altLang="en-US" dirty="0">
@@ -5064,17 +5070,23 @@
                   <a:schemeClr val="tx1"/>
                 </a:solidFill>
               </a:rPr>
-              <a:t>のシステムをベースとして開発されたコラボレーションツールの一種．</a:t>
-            </a:r>
-          </a:p>
-          <a:p>
+              <a:t>ーおとめ</a:t>
+            </a:r>
+            <a:r>
+              <a:rPr lang="ja-JP" altLang="en-US" dirty="0" err="1">
+                <a:solidFill>
+                  <a:schemeClr val="tx1"/>
+                </a:solidFill>
+              </a:rPr>
+              <a:t>ごころ</a:t>
+            </a:r>
             <a:r>
               <a:rPr lang="ja-JP" altLang="en-US" dirty="0">
                 <a:solidFill>
                   <a:schemeClr val="tx1"/>
                 </a:solidFill>
               </a:rPr>
-              <a:t>つまり自分だけの</a:t>
+              <a:t>，かおりの</a:t>
             </a:r>
             <a:r>
               <a:rPr lang="en-US" altLang="ja-JP" dirty="0">
@@ -5082,17 +5094,32 @@
                   <a:schemeClr val="tx1"/>
                 </a:solidFill>
               </a:rPr>
-              <a:t>Wiki</a:t>
-            </a:r>
-            <a:r>
-              <a:rPr lang="ja-JP" altLang="en-US" dirty="0">
-                <a:solidFill>
-                  <a:schemeClr val="tx1"/>
-                </a:solidFill>
-              </a:rPr>
-              <a:t>が作れる！</a:t>
-            </a:r>
-            <a:endParaRPr kumimoji="1" lang="ja-JP" altLang="en-US" dirty="0">
+              <a:t>‥</a:t>
+            </a:r>
+            <a:r>
+              <a:rPr lang="en-US" altLang="ja-JP" dirty="0" err="1" smtClean="0">
+                <a:solidFill>
+                  <a:schemeClr val="tx1"/>
+                </a:solidFill>
+              </a:rPr>
+              <a:t>etc</a:t>
+            </a:r>
+            <a:endParaRPr lang="en-US" altLang="ja-JP" dirty="0" smtClean="0">
+              <a:solidFill>
+                <a:schemeClr val="tx1"/>
+              </a:solidFill>
+            </a:endParaRPr>
+          </a:p>
+          <a:p>
+            <a:r>
+              <a:rPr lang="ja-JP" altLang="en-US" sz="7200" dirty="0" smtClean="0">
+                <a:solidFill>
+                  <a:schemeClr val="tx1"/>
+                </a:solidFill>
+              </a:rPr>
+              <a:t>→いちご</a:t>
+            </a:r>
+            <a:endParaRPr lang="en-US" altLang="ja-JP" sz="7200" dirty="0">
               <a:solidFill>
                 <a:schemeClr val="tx1"/>
               </a:solidFill>
@@ -5151,13 +5178,51 @@
                   <a:schemeClr val="tx1"/>
                 </a:solidFill>
               </a:rPr>
-              <a:t>とは</a:t>
+              <a:t>を使えば</a:t>
             </a:r>
             <a:endParaRPr kumimoji="1" lang="ja-JP" altLang="en-US" dirty="0">
               <a:solidFill>
                 <a:schemeClr val="tx1"/>
               </a:solidFill>
             </a:endParaRPr>
+          </a:p>
+        </p:txBody>
+      </p:sp>
+      <p:sp>
+        <p:nvSpPr>
+          <p:cNvPr id="5" name="右矢印 4"/>
+          <p:cNvSpPr/>
+          <p:nvPr/>
+        </p:nvSpPr>
+        <p:spPr>
+          <a:xfrm>
+            <a:off x="7359977" y="8774549"/>
+            <a:ext cx="2861324" cy="2820478"/>
+          </a:xfrm>
+          <a:prstGeom prst="rightArrow">
+            <a:avLst/>
+          </a:prstGeom>
+        </p:spPr>
+        <p:style>
+          <a:lnRef idx="1">
+            <a:schemeClr val="accent1"/>
+          </a:lnRef>
+          <a:fillRef idx="3">
+            <a:schemeClr val="accent1"/>
+          </a:fillRef>
+          <a:effectRef idx="2">
+            <a:schemeClr val="accent1"/>
+          </a:effectRef>
+          <a:fontRef idx="minor">
+            <a:schemeClr val="lt1"/>
+          </a:fontRef>
+        </p:style>
+        <p:txBody>
+          <a:bodyPr rtlCol="0" anchor="ctr"/>
+          <a:lstStyle/>
+          <a:p>
+            <a:pPr algn="ctr"/>
+            <a:endParaRPr kumimoji="1" lang="ja-JP" altLang="en-US"/>
           </a:p>
         </p:txBody>
       </p:sp>

--- a/卒業論文/2014/小池/卒業論文中間審査ポスター.pptx
+++ b/卒業論文/2014/小池/卒業論文中間審査ポスター.pptx
@@ -5008,102 +5008,6 @@
           <a:bodyPr rtlCol="0" anchor="ctr"/>
           <a:lstStyle/>
           <a:p>
-            <a:r>
-              <a:rPr lang="ja-JP" altLang="en-US" dirty="0">
-                <a:solidFill>
-                  <a:schemeClr val="tx1"/>
-                </a:solidFill>
-              </a:rPr>
-              <a:t>アイベリー，</a:t>
-            </a:r>
-            <a:r>
-              <a:rPr lang="ja-JP" altLang="en-US" dirty="0" err="1">
-                <a:solidFill>
-                  <a:schemeClr val="tx1"/>
-                </a:solidFill>
-              </a:rPr>
-              <a:t>あか</a:t>
-            </a:r>
-            <a:r>
-              <a:rPr lang="ja-JP" altLang="en-US" dirty="0">
-                <a:solidFill>
-                  <a:schemeClr val="tx1"/>
-                </a:solidFill>
-              </a:rPr>
-              <a:t>ねっ娘，あきひめ，あまおう</a:t>
-            </a:r>
-            <a:r>
-              <a:rPr lang="ja-JP" altLang="en-US" dirty="0" smtClean="0">
-                <a:solidFill>
-                  <a:schemeClr val="tx1"/>
-                </a:solidFill>
-              </a:rPr>
-              <a:t>，あす</a:t>
-            </a:r>
-            <a:r>
-              <a:rPr lang="ja-JP" altLang="en-US" dirty="0">
-                <a:solidFill>
-                  <a:schemeClr val="tx1"/>
-                </a:solidFill>
-              </a:rPr>
-              <a:t>かルビー，あまおとめ，あわゆき，えちごひめ，エラン，おおきみ，おい</a:t>
-            </a:r>
-            <a:r>
-              <a:rPr lang="en-US" altLang="ja-JP" dirty="0">
-                <a:solidFill>
-                  <a:schemeClr val="tx1"/>
-                </a:solidFill>
-              </a:rPr>
-              <a:t>C</a:t>
-            </a:r>
-            <a:r>
-              <a:rPr lang="ja-JP" altLang="en-US" dirty="0" err="1">
-                <a:solidFill>
-                  <a:schemeClr val="tx1"/>
-                </a:solidFill>
-              </a:rPr>
-              <a:t>べり</a:t>
-            </a:r>
-            <a:r>
-              <a:rPr lang="ja-JP" altLang="en-US" dirty="0">
-                <a:solidFill>
-                  <a:schemeClr val="tx1"/>
-                </a:solidFill>
-              </a:rPr>
-              <a:t>ーおとめ</a:t>
-            </a:r>
-            <a:r>
-              <a:rPr lang="ja-JP" altLang="en-US" dirty="0" err="1">
-                <a:solidFill>
-                  <a:schemeClr val="tx1"/>
-                </a:solidFill>
-              </a:rPr>
-              <a:t>ごころ</a:t>
-            </a:r>
-            <a:r>
-              <a:rPr lang="ja-JP" altLang="en-US" dirty="0">
-                <a:solidFill>
-                  <a:schemeClr val="tx1"/>
-                </a:solidFill>
-              </a:rPr>
-              <a:t>，かおりの</a:t>
-            </a:r>
-            <a:r>
-              <a:rPr lang="en-US" altLang="ja-JP" dirty="0">
-                <a:solidFill>
-                  <a:schemeClr val="tx1"/>
-                </a:solidFill>
-              </a:rPr>
-              <a:t>‥</a:t>
-            </a:r>
-            <a:r>
-              <a:rPr lang="en-US" altLang="ja-JP" dirty="0" err="1" smtClean="0">
-                <a:solidFill>
-                  <a:schemeClr val="tx1"/>
-                </a:solidFill>
-              </a:rPr>
-              <a:t>etc</a:t>
-            </a:r>
             <a:endParaRPr lang="en-US" altLang="ja-JP" dirty="0" smtClean="0">
               <a:solidFill>
                 <a:schemeClr val="tx1"/>
@@ -5112,14 +5016,22 @@
           </a:p>
           <a:p>
             <a:r>
-              <a:rPr lang="ja-JP" altLang="en-US" sz="7200" dirty="0" smtClean="0">
-                <a:solidFill>
-                  <a:schemeClr val="tx1"/>
-                </a:solidFill>
-              </a:rPr>
-              <a:t>→いちご</a:t>
-            </a:r>
-            <a:endParaRPr lang="en-US" altLang="ja-JP" sz="7200" dirty="0">
+              <a:rPr lang="ja-JP" altLang="en-US" sz="6000" dirty="0" smtClean="0">
+                <a:solidFill>
+                  <a:schemeClr val="tx1"/>
+                </a:solidFill>
+              </a:rPr>
+              <a:t>いちごにまとめる事</a:t>
+            </a:r>
+            <a:r>
+              <a:rPr lang="ja-JP" altLang="en-US" sz="6000" smtClean="0">
+                <a:solidFill>
+                  <a:schemeClr val="tx1"/>
+                </a:solidFill>
+              </a:rPr>
+              <a:t>ができる！</a:t>
+            </a:r>
+            <a:endParaRPr lang="en-US" altLang="ja-JP" sz="6000" dirty="0">
               <a:solidFill>
                 <a:schemeClr val="tx1"/>
               </a:solidFill>

--- a/卒業論文/2014/小池/卒業論文中間審査ポスター.pptx
+++ b/卒業論文/2014/小池/卒業論文中間審査ポスター.pptx
@@ -3860,7 +3860,7 @@
         </p:nvSpPr>
         <p:spPr>
           <a:xfrm>
-            <a:off x="217901" y="3554255"/>
+            <a:off x="243458" y="3509680"/>
             <a:ext cx="20647959" cy="9604281"/>
           </a:xfrm>
           <a:prstGeom prst="rect">
@@ -4017,8 +4017,8 @@
         </p:nvSpPr>
         <p:spPr>
           <a:xfrm>
-            <a:off x="856925" y="5061929"/>
-            <a:ext cx="6283055" cy="7966740"/>
+            <a:off x="439930" y="4947325"/>
+            <a:ext cx="6303447" cy="7966740"/>
           </a:xfrm>
           <a:prstGeom prst="rect">
             <a:avLst/>
@@ -4969,14 +4969,63 @@
       </p:sp>
       <p:sp>
         <p:nvSpPr>
-          <p:cNvPr id="19" name="正方形/長方形 18"/>
+          <p:cNvPr id="5" name="右矢印 4"/>
           <p:cNvSpPr/>
           <p:nvPr/>
         </p:nvSpPr>
         <p:spPr>
           <a:xfrm>
-            <a:off x="10659018" y="5158333"/>
-            <a:ext cx="10206842" cy="7870336"/>
+            <a:off x="6743379" y="9419463"/>
+            <a:ext cx="8498834" cy="1816765"/>
+          </a:xfrm>
+          <a:prstGeom prst="rightArrow">
+            <a:avLst/>
+          </a:prstGeom>
+        </p:spPr>
+        <p:style>
+          <a:lnRef idx="1">
+            <a:schemeClr val="accent1"/>
+          </a:lnRef>
+          <a:fillRef idx="3">
+            <a:schemeClr val="accent1"/>
+          </a:fillRef>
+          <a:effectRef idx="2">
+            <a:schemeClr val="accent1"/>
+          </a:effectRef>
+          <a:fontRef idx="minor">
+            <a:schemeClr val="lt1"/>
+          </a:fontRef>
+        </p:style>
+        <p:txBody>
+          <a:bodyPr rtlCol="0" anchor="ctr"/>
+          <a:lstStyle/>
+          <a:p>
+            <a:r>
+              <a:rPr lang="ja-JP" altLang="en-US" sz="5400" dirty="0">
+                <a:solidFill>
+                  <a:schemeClr val="bg1"/>
+                </a:solidFill>
+              </a:rPr>
+              <a:t>分野によっても名前が違う</a:t>
+            </a:r>
+            <a:endParaRPr lang="en-US" altLang="ja-JP" sz="5400" dirty="0">
+              <a:solidFill>
+                <a:schemeClr val="bg1"/>
+              </a:solidFill>
+            </a:endParaRPr>
+          </a:p>
+        </p:txBody>
+      </p:sp>
+      <p:sp>
+        <p:nvSpPr>
+          <p:cNvPr id="23" name="正方形/長方形 22"/>
+          <p:cNvSpPr/>
+          <p:nvPr/>
+        </p:nvSpPr>
+        <p:spPr>
+          <a:xfrm>
+            <a:off x="15242213" y="4491442"/>
+            <a:ext cx="5509079" cy="8558376"/>
           </a:xfrm>
           <a:prstGeom prst="rect">
             <a:avLst/>
@@ -5008,30 +5057,64 @@
           <a:bodyPr rtlCol="0" anchor="ctr"/>
           <a:lstStyle/>
           <a:p>
-            <a:endParaRPr lang="en-US" altLang="ja-JP" dirty="0" smtClean="0">
+            <a:pPr>
+              <a:lnSpc>
+                <a:spcPct val="200000"/>
+              </a:lnSpc>
+            </a:pPr>
+            <a:r>
+              <a:rPr lang="ja-JP" altLang="en-US" sz="6000" dirty="0" smtClean="0">
+                <a:solidFill>
+                  <a:schemeClr val="tx1"/>
+                </a:solidFill>
+              </a:rPr>
+              <a:t>　</a:t>
+            </a:r>
+            <a:r>
+              <a:rPr lang="ja-JP" altLang="en-US" sz="6600" dirty="0" smtClean="0">
+                <a:solidFill>
+                  <a:schemeClr val="tx1"/>
+                </a:solidFill>
+              </a:rPr>
+              <a:t>翻訳</a:t>
+            </a:r>
+            <a:r>
+              <a:rPr lang="ja-JP" altLang="en-US" sz="6600" dirty="0" smtClean="0">
+                <a:solidFill>
+                  <a:schemeClr val="tx1"/>
+                </a:solidFill>
+              </a:rPr>
+              <a:t>できる</a:t>
+            </a:r>
+            <a:endParaRPr lang="en-US" altLang="ja-JP" sz="6600" dirty="0" smtClean="0">
               <a:solidFill>
                 <a:schemeClr val="tx1"/>
               </a:solidFill>
             </a:endParaRPr>
           </a:p>
           <a:p>
-            <a:r>
-              <a:rPr lang="ja-JP" altLang="en-US" sz="6000" dirty="0" smtClean="0">
-                <a:solidFill>
-                  <a:schemeClr val="tx1"/>
-                </a:solidFill>
-              </a:rPr>
-              <a:t>いちごにまとめる事</a:t>
-            </a:r>
-            <a:r>
-              <a:rPr lang="ja-JP" altLang="en-US" sz="6000" smtClean="0">
-                <a:solidFill>
-                  <a:schemeClr val="tx1"/>
-                </a:solidFill>
-              </a:rPr>
-              <a:t>ができる！</a:t>
-            </a:r>
-            <a:endParaRPr lang="en-US" altLang="ja-JP" sz="6000" dirty="0">
+            <a:pPr>
+              <a:lnSpc>
+                <a:spcPct val="200000"/>
+              </a:lnSpc>
+            </a:pPr>
+            <a:r>
+              <a:rPr lang="ja-JP" altLang="en-US" sz="6600" dirty="0" smtClean="0">
+                <a:solidFill>
+                  <a:schemeClr val="tx1"/>
+                </a:solidFill>
+              </a:rPr>
+              <a:t>システムを作りたい</a:t>
+            </a:r>
+            <a:r>
+              <a:rPr lang="ja-JP" altLang="en-US" sz="6600" dirty="0" smtClean="0">
+                <a:solidFill>
+                  <a:schemeClr val="tx1"/>
+                </a:solidFill>
+              </a:rPr>
+              <a:t>　　</a:t>
+            </a:r>
+            <a:endParaRPr lang="en-US" altLang="ja-JP" sz="6600" dirty="0" smtClean="0">
               <a:solidFill>
                 <a:schemeClr val="tx1"/>
               </a:solidFill>
@@ -5047,8 +5130,8 @@
         </p:nvSpPr>
         <p:spPr>
           <a:xfrm>
-            <a:off x="10221301" y="4141008"/>
-            <a:ext cx="5369071" cy="1322478"/>
+            <a:off x="13799705" y="4138524"/>
+            <a:ext cx="4688719" cy="1064900"/>
           </a:xfrm>
           <a:prstGeom prst="rect">
             <a:avLst/>
@@ -5075,66 +5158,19 @@
           <a:bodyPr rtlCol="0" anchor="ctr"/>
           <a:lstStyle/>
           <a:p>
-            <a:pPr algn="ctr"/>
-            <a:r>
-              <a:rPr lang="en-US" altLang="ja-JP" dirty="0" err="1" smtClean="0">
-                <a:solidFill>
-                  <a:schemeClr val="tx1"/>
-                </a:solidFill>
-              </a:rPr>
-              <a:t>Mediawiki</a:t>
-            </a:r>
-            <a:r>
-              <a:rPr lang="ja-JP" altLang="en-US" dirty="0" smtClean="0">
-                <a:solidFill>
-                  <a:schemeClr val="tx1"/>
-                </a:solidFill>
-              </a:rPr>
-              <a:t>を使えば</a:t>
-            </a:r>
-            <a:endParaRPr kumimoji="1" lang="ja-JP" altLang="en-US" dirty="0">
+            <a:r>
+              <a:rPr lang="ja-JP" altLang="en-US" sz="5400" dirty="0" smtClean="0">
+                <a:solidFill>
+                  <a:schemeClr val="tx1"/>
+                </a:solidFill>
+              </a:rPr>
+              <a:t>　そこで</a:t>
+            </a:r>
+            <a:endParaRPr lang="en-US" altLang="ja-JP" sz="5400" dirty="0">
               <a:solidFill>
                 <a:schemeClr val="tx1"/>
               </a:solidFill>
             </a:endParaRPr>
-          </a:p>
-        </p:txBody>
-      </p:sp>
-      <p:sp>
-        <p:nvSpPr>
-          <p:cNvPr id="5" name="右矢印 4"/>
-          <p:cNvSpPr/>
-          <p:nvPr/>
-        </p:nvSpPr>
-        <p:spPr>
-          <a:xfrm>
-            <a:off x="7359977" y="8774549"/>
-            <a:ext cx="2861324" cy="2820478"/>
-          </a:xfrm>
-          <a:prstGeom prst="rightArrow">
-            <a:avLst/>
-          </a:prstGeom>
-        </p:spPr>
-        <p:style>
-          <a:lnRef idx="1">
-            <a:schemeClr val="accent1"/>
-          </a:lnRef>
-          <a:fillRef idx="3">
-            <a:schemeClr val="accent1"/>
-          </a:fillRef>
-          <a:effectRef idx="2">
-            <a:schemeClr val="accent1"/>
-          </a:effectRef>
-          <a:fontRef idx="minor">
-            <a:schemeClr val="lt1"/>
-          </a:fontRef>
-        </p:style>
-        <p:txBody>
-          <a:bodyPr rtlCol="0" anchor="ctr"/>
-          <a:lstStyle/>
-          <a:p>
-            <a:pPr algn="ctr"/>
-            <a:endParaRPr kumimoji="1" lang="ja-JP" altLang="en-US"/>
           </a:p>
         </p:txBody>
       </p:sp>
